--- a/25_useId.pptx
+++ b/25_useId.pptx
@@ -10,6 +10,9 @@
     <p:sldId id="425" r:id="rId4"/>
     <p:sldId id="441" r:id="rId5"/>
     <p:sldId id="444" r:id="rId6"/>
+    <p:sldId id="446" r:id="rId7"/>
+    <p:sldId id="445" r:id="rId8"/>
+    <p:sldId id="447" r:id="rId9"/>
   </p:sldIdLst>
   <p:sldSz cx="12192000" cy="6858000"/>
   <p:notesSz cx="6858000" cy="9144000"/>
@@ -3269,11 +3272,6 @@
               </a:rPr>
               <a:t>useId</a:t>
             </a:r>
-            <a:endParaRPr lang="en-US" dirty="0">
-              <a:latin typeface="Tahoma" panose="020B0604030504040204" pitchFamily="34" charset="0"/>
-              <a:ea typeface="Tahoma" panose="020B0604030504040204" pitchFamily="34" charset="0"/>
-              <a:cs typeface="Tahoma" panose="020B0604030504040204" pitchFamily="34" charset="0"/>
-            </a:endParaRPr>
           </a:p>
         </p:txBody>
       </p:sp>
@@ -4445,11 +4443,6 @@
               </a:rPr>
               <a:t>Cho nên khi click vào label thứ 2, nó sẽ focus vào input thứ nhất</a:t>
             </a:r>
-            <a:endParaRPr lang="en-US" dirty="0" smtClean="0">
-              <a:latin typeface="Tahoma" panose="020B0604030504040204" pitchFamily="34" charset="0"/>
-              <a:ea typeface="Tahoma" panose="020B0604030504040204" pitchFamily="34" charset="0"/>
-              <a:cs typeface="Tahoma" panose="020B0604030504040204" pitchFamily="34" charset="0"/>
-            </a:endParaRPr>
           </a:p>
         </p:txBody>
       </p:sp>
@@ -4506,15 +4499,7 @@
                 <a:ea typeface="Tahoma" panose="020B0604030504040204" pitchFamily="34" charset="0"/>
                 <a:cs typeface="Tahoma" panose="020B0604030504040204" pitchFamily="34" charset="0"/>
               </a:rPr>
-              <a:t>useID </a:t>
-            </a:r>
-            <a:r>
-              <a:rPr lang="en-US" dirty="0" smtClean="0">
-                <a:latin typeface="Tahoma" panose="020B0604030504040204" pitchFamily="34" charset="0"/>
-                <a:ea typeface="Tahoma" panose="020B0604030504040204" pitchFamily="34" charset="0"/>
-                <a:cs typeface="Tahoma" panose="020B0604030504040204" pitchFamily="34" charset="0"/>
-              </a:rPr>
-              <a:t>là gì?</a:t>
+              <a:t>useID là gì?</a:t>
             </a:r>
             <a:endParaRPr lang="en-US" dirty="0">
               <a:latin typeface="Tahoma" panose="020B0604030504040204" pitchFamily="34" charset="0"/>
@@ -4591,15 +4576,7 @@
                 <a:ea typeface="Tahoma" panose="020B0604030504040204" pitchFamily="34" charset="0"/>
                 <a:cs typeface="Tahoma" panose="020B0604030504040204" pitchFamily="34" charset="0"/>
               </a:rPr>
-              <a:t>Cú </a:t>
-            </a:r>
-            <a:r>
-              <a:rPr lang="en-US" dirty="0" smtClean="0">
-                <a:latin typeface="Tahoma" panose="020B0604030504040204" pitchFamily="34" charset="0"/>
-                <a:ea typeface="Tahoma" panose="020B0604030504040204" pitchFamily="34" charset="0"/>
-                <a:cs typeface="Tahoma" panose="020B0604030504040204" pitchFamily="34" charset="0"/>
-              </a:rPr>
-              <a:t>pháp</a:t>
+              <a:t>Cú pháp</a:t>
             </a:r>
             <a:r>
               <a:rPr lang="en-US" dirty="0">
@@ -4617,11 +4594,6 @@
               </a:rPr>
               <a:t>const id = useId()</a:t>
             </a:r>
-            <a:endParaRPr lang="en-US" b="1" dirty="0" smtClean="0">
-              <a:latin typeface="Tahoma" panose="020B0604030504040204" pitchFamily="34" charset="0"/>
-              <a:ea typeface="Tahoma" panose="020B0604030504040204" pitchFamily="34" charset="0"/>
-              <a:cs typeface="Tahoma" panose="020B0604030504040204" pitchFamily="34" charset="0"/>
-            </a:endParaRPr>
           </a:p>
           <a:p>
             <a:r>
@@ -5942,6 +5914,659 @@
     <p:extLst>
       <p:ext uri="{BB962C8B-B14F-4D97-AF65-F5344CB8AC3E}">
         <p14:creationId xmlns:p14="http://schemas.microsoft.com/office/powerpoint/2010/main" val="1985386471"/>
+      </p:ext>
+    </p:extLst>
+  </p:cSld>
+  <p:clrMapOvr>
+    <a:masterClrMapping/>
+  </p:clrMapOvr>
+</p:sld>
+</file>
+
+<file path=ppt/slides/slide6.xml><?xml version="1.0" encoding="utf-8"?>
+<p:sld xmlns:a="http://schemas.openxmlformats.org/drawingml/2006/main" xmlns:r="http://schemas.openxmlformats.org/officeDocument/2006/relationships" xmlns:p="http://schemas.openxmlformats.org/presentationml/2006/main">
+  <p:cSld>
+    <p:spTree>
+      <p:nvGrpSpPr>
+        <p:cNvPr id="1" name=""/>
+        <p:cNvGrpSpPr/>
+        <p:nvPr/>
+      </p:nvGrpSpPr>
+      <p:grpSpPr>
+        <a:xfrm>
+          <a:off x="0" y="0"/>
+          <a:ext cx="0" cy="0"/>
+          <a:chOff x="0" y="0"/>
+          <a:chExt cx="0" cy="0"/>
+        </a:xfrm>
+      </p:grpSpPr>
+      <p:sp>
+        <p:nvSpPr>
+          <p:cNvPr id="2" name="Title 1"/>
+          <p:cNvSpPr>
+            <a:spLocks noGrp="1"/>
+          </p:cNvSpPr>
+          <p:nvPr>
+            <p:ph type="title"/>
+          </p:nvPr>
+        </p:nvSpPr>
+        <p:spPr/>
+        <p:txBody>
+          <a:bodyPr>
+            <a:normAutofit/>
+          </a:bodyPr>
+          <a:lstStyle/>
+          <a:p>
+            <a:r>
+              <a:rPr lang="en-US" dirty="0" smtClean="0">
+                <a:latin typeface="Tahoma" panose="020B0604030504040204" pitchFamily="34" charset="0"/>
+                <a:ea typeface="Tahoma" panose="020B0604030504040204" pitchFamily="34" charset="0"/>
+                <a:cs typeface="Tahoma" panose="020B0604030504040204" pitchFamily="34" charset="0"/>
+              </a:rPr>
+              <a:t>Ví dụ</a:t>
+            </a:r>
+            <a:endParaRPr lang="en-US" dirty="0">
+              <a:latin typeface="Tahoma" panose="020B0604030504040204" pitchFamily="34" charset="0"/>
+              <a:ea typeface="Tahoma" panose="020B0604030504040204" pitchFamily="34" charset="0"/>
+              <a:cs typeface="Tahoma" panose="020B0604030504040204" pitchFamily="34" charset="0"/>
+            </a:endParaRPr>
+          </a:p>
+        </p:txBody>
+      </p:sp>
+      <p:sp>
+        <p:nvSpPr>
+          <p:cNvPr id="3" name="Content Placeholder 2"/>
+          <p:cNvSpPr>
+            <a:spLocks noGrp="1"/>
+          </p:cNvSpPr>
+          <p:nvPr>
+            <p:ph idx="1"/>
+          </p:nvPr>
+        </p:nvSpPr>
+        <p:spPr>
+          <a:xfrm>
+            <a:off x="2231136" y="2638044"/>
+            <a:ext cx="7729728" cy="3679629"/>
+          </a:xfrm>
+        </p:spPr>
+        <p:txBody>
+          <a:bodyPr>
+            <a:normAutofit/>
+          </a:bodyPr>
+          <a:lstStyle/>
+          <a:p>
+            <a:r>
+              <a:rPr lang="en-US" sz="1800" dirty="0" smtClean="0">
+                <a:latin typeface="Tahoma" panose="020B0604030504040204" pitchFamily="34" charset="0"/>
+                <a:ea typeface="Tahoma" panose="020B0604030504040204" pitchFamily="34" charset="0"/>
+                <a:cs typeface="Tahoma" panose="020B0604030504040204" pitchFamily="34" charset="0"/>
+              </a:rPr>
+              <a:t>Id được gen ra dạng :r0:, :r1:, ...</a:t>
+            </a:r>
+            <a:endParaRPr lang="en-US" sz="1800" dirty="0" smtClean="0">
+              <a:latin typeface="Tahoma" panose="020B0604030504040204" pitchFamily="34" charset="0"/>
+              <a:ea typeface="Tahoma" panose="020B0604030504040204" pitchFamily="34" charset="0"/>
+              <a:cs typeface="Tahoma" panose="020B0604030504040204" pitchFamily="34" charset="0"/>
+            </a:endParaRPr>
+          </a:p>
+        </p:txBody>
+      </p:sp>
+      <p:pic>
+        <p:nvPicPr>
+          <p:cNvPr id="6" name="Picture 5"/>
+          <p:cNvPicPr>
+            <a:picLocks noChangeAspect="1"/>
+          </p:cNvPicPr>
+          <p:nvPr/>
+        </p:nvPicPr>
+        <p:blipFill>
+          <a:blip r:embed="rId2"/>
+          <a:stretch>
+            <a:fillRect/>
+          </a:stretch>
+        </p:blipFill>
+        <p:spPr>
+          <a:xfrm>
+            <a:off x="4591050" y="3644420"/>
+            <a:ext cx="3009900" cy="1666875"/>
+          </a:xfrm>
+          <a:prstGeom prst="rect">
+            <a:avLst/>
+          </a:prstGeom>
+        </p:spPr>
+      </p:pic>
+    </p:spTree>
+    <p:extLst>
+      <p:ext uri="{BB962C8B-B14F-4D97-AF65-F5344CB8AC3E}">
+        <p14:creationId xmlns:p14="http://schemas.microsoft.com/office/powerpoint/2010/main" val="1795623874"/>
+      </p:ext>
+    </p:extLst>
+  </p:cSld>
+  <p:clrMapOvr>
+    <a:masterClrMapping/>
+  </p:clrMapOvr>
+</p:sld>
+</file>
+
+<file path=ppt/slides/slide7.xml><?xml version="1.0" encoding="utf-8"?>
+<p:sld xmlns:a="http://schemas.openxmlformats.org/drawingml/2006/main" xmlns:r="http://schemas.openxmlformats.org/officeDocument/2006/relationships" xmlns:p="http://schemas.openxmlformats.org/presentationml/2006/main">
+  <p:cSld>
+    <p:spTree>
+      <p:nvGrpSpPr>
+        <p:cNvPr id="1" name=""/>
+        <p:cNvGrpSpPr/>
+        <p:nvPr/>
+      </p:nvGrpSpPr>
+      <p:grpSpPr>
+        <a:xfrm>
+          <a:off x="0" y="0"/>
+          <a:ext cx="0" cy="0"/>
+          <a:chOff x="0" y="0"/>
+          <a:chExt cx="0" cy="0"/>
+        </a:xfrm>
+      </p:grpSpPr>
+      <p:sp>
+        <p:nvSpPr>
+          <p:cNvPr id="2" name="Title 1"/>
+          <p:cNvSpPr>
+            <a:spLocks noGrp="1"/>
+          </p:cNvSpPr>
+          <p:nvPr>
+            <p:ph type="title"/>
+          </p:nvPr>
+        </p:nvSpPr>
+        <p:spPr/>
+        <p:txBody>
+          <a:bodyPr>
+            <a:normAutofit/>
+          </a:bodyPr>
+          <a:lstStyle/>
+          <a:p>
+            <a:r>
+              <a:rPr lang="en-US" dirty="0">
+                <a:latin typeface="Tahoma" panose="020B0604030504040204" pitchFamily="34" charset="0"/>
+                <a:ea typeface="Tahoma" panose="020B0604030504040204" pitchFamily="34" charset="0"/>
+                <a:cs typeface="Tahoma" panose="020B0604030504040204" pitchFamily="34" charset="0"/>
+              </a:rPr>
+              <a:t>identifierPrefix </a:t>
+            </a:r>
+            <a:r>
+              <a:rPr lang="en-US" dirty="0" smtClean="0">
+                <a:latin typeface="Tahoma" panose="020B0604030504040204" pitchFamily="34" charset="0"/>
+                <a:ea typeface="Tahoma" panose="020B0604030504040204" pitchFamily="34" charset="0"/>
+                <a:cs typeface="Tahoma" panose="020B0604030504040204" pitchFamily="34" charset="0"/>
+              </a:rPr>
+              <a:t>là gì?</a:t>
+            </a:r>
+            <a:endParaRPr lang="en-US" dirty="0">
+              <a:latin typeface="Tahoma" panose="020B0604030504040204" pitchFamily="34" charset="0"/>
+              <a:ea typeface="Tahoma" panose="020B0604030504040204" pitchFamily="34" charset="0"/>
+              <a:cs typeface="Tahoma" panose="020B0604030504040204" pitchFamily="34" charset="0"/>
+            </a:endParaRPr>
+          </a:p>
+        </p:txBody>
+      </p:sp>
+      <p:sp>
+        <p:nvSpPr>
+          <p:cNvPr id="3" name="Content Placeholder 2"/>
+          <p:cNvSpPr>
+            <a:spLocks noGrp="1"/>
+          </p:cNvSpPr>
+          <p:nvPr>
+            <p:ph idx="1"/>
+          </p:nvPr>
+        </p:nvSpPr>
+        <p:spPr>
+          <a:xfrm>
+            <a:off x="2231136" y="2638044"/>
+            <a:ext cx="7729728" cy="3679629"/>
+          </a:xfrm>
+        </p:spPr>
+        <p:txBody>
+          <a:bodyPr>
+            <a:normAutofit/>
+          </a:bodyPr>
+          <a:lstStyle/>
+          <a:p>
+            <a:r>
+              <a:rPr lang="en-US" dirty="0" smtClean="0">
+                <a:latin typeface="Tahoma" panose="020B0604030504040204" pitchFamily="34" charset="0"/>
+                <a:ea typeface="Tahoma" panose="020B0604030504040204" pitchFamily="34" charset="0"/>
+                <a:cs typeface="Tahoma" panose="020B0604030504040204" pitchFamily="34" charset="0"/>
+              </a:rPr>
+              <a:t>Khi ta sử dụng useId thì nó sẽ gen ra các id dạng </a:t>
+            </a:r>
+            <a:r>
+              <a:rPr lang="en-US" dirty="0">
+                <a:latin typeface="Tahoma" panose="020B0604030504040204" pitchFamily="34" charset="0"/>
+                <a:ea typeface="Tahoma" panose="020B0604030504040204" pitchFamily="34" charset="0"/>
+                <a:cs typeface="Tahoma" panose="020B0604030504040204" pitchFamily="34" charset="0"/>
+              </a:rPr>
+              <a:t>:r0:, :r1:, ...</a:t>
+            </a:r>
+          </a:p>
+          <a:p>
+            <a:r>
+              <a:rPr lang="en-US" dirty="0" smtClean="0">
+                <a:latin typeface="Tahoma" panose="020B0604030504040204" pitchFamily="34" charset="0"/>
+                <a:ea typeface="Tahoma" panose="020B0604030504040204" pitchFamily="34" charset="0"/>
+                <a:cs typeface="Tahoma" panose="020B0604030504040204" pitchFamily="34" charset="0"/>
+              </a:rPr>
+              <a:t>Nếu </a:t>
+            </a:r>
+            <a:r>
+              <a:rPr lang="en-US" dirty="0">
+                <a:latin typeface="Tahoma" panose="020B0604030504040204" pitchFamily="34" charset="0"/>
+                <a:ea typeface="Tahoma" panose="020B0604030504040204" pitchFamily="34" charset="0"/>
+                <a:cs typeface="Tahoma" panose="020B0604030504040204" pitchFamily="34" charset="0"/>
+              </a:rPr>
+              <a:t>muốn thêm tiền tố cho các id thì ta sử dụng identifierPrefix khi </a:t>
+            </a:r>
+            <a:r>
+              <a:rPr lang="en-US" dirty="0" smtClean="0">
+                <a:latin typeface="Tahoma" panose="020B0604030504040204" pitchFamily="34" charset="0"/>
+                <a:ea typeface="Tahoma" panose="020B0604030504040204" pitchFamily="34" charset="0"/>
+                <a:cs typeface="Tahoma" panose="020B0604030504040204" pitchFamily="34" charset="0"/>
+              </a:rPr>
+              <a:t>createRoot</a:t>
+            </a:r>
+            <a:endParaRPr lang="en-US" dirty="0" smtClean="0">
+              <a:latin typeface="Tahoma" panose="020B0604030504040204" pitchFamily="34" charset="0"/>
+              <a:ea typeface="Tahoma" panose="020B0604030504040204" pitchFamily="34" charset="0"/>
+              <a:cs typeface="Tahoma" panose="020B0604030504040204" pitchFamily="34" charset="0"/>
+            </a:endParaRPr>
+          </a:p>
+        </p:txBody>
+      </p:sp>
+      <p:sp>
+        <p:nvSpPr>
+          <p:cNvPr id="4" name="Rectangle 3"/>
+          <p:cNvSpPr/>
+          <p:nvPr/>
+        </p:nvSpPr>
+        <p:spPr>
+          <a:xfrm>
+            <a:off x="2231136" y="4091624"/>
+            <a:ext cx="7729728" cy="738664"/>
+          </a:xfrm>
+          <a:prstGeom prst="rect">
+            <a:avLst/>
+          </a:prstGeom>
+          <a:solidFill>
+            <a:schemeClr val="tx1"/>
+          </a:solidFill>
+        </p:spPr>
+        <p:txBody>
+          <a:bodyPr wrap="square">
+            <a:spAutoFit/>
+          </a:bodyPr>
+          <a:lstStyle/>
+          <a:p>
+            <a:r>
+              <a:rPr lang="en-US" sz="1400" dirty="0">
+                <a:solidFill>
+                  <a:srgbClr val="569CD6"/>
+                </a:solidFill>
+                <a:latin typeface="Consolas" panose="020B0609020204030204" pitchFamily="49" charset="0"/>
+              </a:rPr>
+              <a:t>const</a:t>
+            </a:r>
+            <a:r>
+              <a:rPr lang="en-US" sz="1400" dirty="0">
+                <a:solidFill>
+                  <a:srgbClr val="CCCCCC"/>
+                </a:solidFill>
+                <a:latin typeface="Consolas" panose="020B0609020204030204" pitchFamily="49" charset="0"/>
+              </a:rPr>
+              <a:t> </a:t>
+            </a:r>
+            <a:r>
+              <a:rPr lang="en-US" sz="1400" dirty="0">
+                <a:solidFill>
+                  <a:srgbClr val="4FC1FF"/>
+                </a:solidFill>
+                <a:latin typeface="Consolas" panose="020B0609020204030204" pitchFamily="49" charset="0"/>
+              </a:rPr>
+              <a:t>root</a:t>
+            </a:r>
+            <a:r>
+              <a:rPr lang="en-US" sz="1400" dirty="0">
+                <a:solidFill>
+                  <a:srgbClr val="CCCCCC"/>
+                </a:solidFill>
+                <a:latin typeface="Consolas" panose="020B0609020204030204" pitchFamily="49" charset="0"/>
+              </a:rPr>
+              <a:t> </a:t>
+            </a:r>
+            <a:r>
+              <a:rPr lang="en-US" sz="1400" dirty="0">
+                <a:solidFill>
+                  <a:srgbClr val="D4D4D4"/>
+                </a:solidFill>
+                <a:latin typeface="Consolas" panose="020B0609020204030204" pitchFamily="49" charset="0"/>
+              </a:rPr>
+              <a:t>=</a:t>
+            </a:r>
+            <a:r>
+              <a:rPr lang="en-US" sz="1400" dirty="0">
+                <a:solidFill>
+                  <a:srgbClr val="CCCCCC"/>
+                </a:solidFill>
+                <a:latin typeface="Consolas" panose="020B0609020204030204" pitchFamily="49" charset="0"/>
+              </a:rPr>
+              <a:t> </a:t>
+            </a:r>
+            <a:r>
+              <a:rPr lang="en-US" sz="1400" dirty="0">
+                <a:solidFill>
+                  <a:srgbClr val="9CDCFE"/>
+                </a:solidFill>
+                <a:latin typeface="Consolas" panose="020B0609020204030204" pitchFamily="49" charset="0"/>
+              </a:rPr>
+              <a:t>ReactDOM</a:t>
+            </a:r>
+            <a:r>
+              <a:rPr lang="en-US" sz="1400" dirty="0">
+                <a:solidFill>
+                  <a:srgbClr val="D4D4D4"/>
+                </a:solidFill>
+                <a:latin typeface="Consolas" panose="020B0609020204030204" pitchFamily="49" charset="0"/>
+              </a:rPr>
+              <a:t>.</a:t>
+            </a:r>
+            <a:r>
+              <a:rPr lang="en-US" sz="1400" dirty="0">
+                <a:solidFill>
+                  <a:srgbClr val="DCDCAA"/>
+                </a:solidFill>
+                <a:latin typeface="Consolas" panose="020B0609020204030204" pitchFamily="49" charset="0"/>
+              </a:rPr>
+              <a:t>createRoot</a:t>
+            </a:r>
+            <a:r>
+              <a:rPr lang="en-US" sz="1400" dirty="0">
+                <a:solidFill>
+                  <a:srgbClr val="CCCCCC"/>
+                </a:solidFill>
+                <a:latin typeface="Consolas" panose="020B0609020204030204" pitchFamily="49" charset="0"/>
+              </a:rPr>
+              <a:t>(</a:t>
+            </a:r>
+            <a:r>
+              <a:rPr lang="en-US" sz="1400" dirty="0">
+                <a:solidFill>
+                  <a:srgbClr val="9CDCFE"/>
+                </a:solidFill>
+                <a:latin typeface="Consolas" panose="020B0609020204030204" pitchFamily="49" charset="0"/>
+              </a:rPr>
+              <a:t>document</a:t>
+            </a:r>
+            <a:r>
+              <a:rPr lang="en-US" sz="1400" dirty="0">
+                <a:solidFill>
+                  <a:srgbClr val="D4D4D4"/>
+                </a:solidFill>
+                <a:latin typeface="Consolas" panose="020B0609020204030204" pitchFamily="49" charset="0"/>
+              </a:rPr>
+              <a:t>.</a:t>
+            </a:r>
+            <a:r>
+              <a:rPr lang="en-US" sz="1400" dirty="0">
+                <a:solidFill>
+                  <a:srgbClr val="DCDCAA"/>
+                </a:solidFill>
+                <a:latin typeface="Consolas" panose="020B0609020204030204" pitchFamily="49" charset="0"/>
+              </a:rPr>
+              <a:t>getElementById</a:t>
+            </a:r>
+            <a:r>
+              <a:rPr lang="en-US" sz="1400" dirty="0">
+                <a:solidFill>
+                  <a:srgbClr val="CCCCCC"/>
+                </a:solidFill>
+                <a:latin typeface="Consolas" panose="020B0609020204030204" pitchFamily="49" charset="0"/>
+              </a:rPr>
+              <a:t>(</a:t>
+            </a:r>
+            <a:r>
+              <a:rPr lang="en-US" sz="1400" dirty="0">
+                <a:solidFill>
+                  <a:srgbClr val="CE9178"/>
+                </a:solidFill>
+                <a:latin typeface="Consolas" panose="020B0609020204030204" pitchFamily="49" charset="0"/>
+              </a:rPr>
+              <a:t>"root"</a:t>
+            </a:r>
+            <a:r>
+              <a:rPr lang="en-US" sz="1400" dirty="0">
+                <a:solidFill>
+                  <a:srgbClr val="CCCCCC"/>
+                </a:solidFill>
+                <a:latin typeface="Consolas" panose="020B0609020204030204" pitchFamily="49" charset="0"/>
+              </a:rPr>
+              <a:t>), {</a:t>
+            </a:r>
+          </a:p>
+          <a:p>
+            <a:r>
+              <a:rPr lang="en-US" sz="1400" dirty="0">
+                <a:solidFill>
+                  <a:srgbClr val="CCCCCC"/>
+                </a:solidFill>
+                <a:latin typeface="Consolas" panose="020B0609020204030204" pitchFamily="49" charset="0"/>
+              </a:rPr>
+              <a:t>  </a:t>
+            </a:r>
+            <a:r>
+              <a:rPr lang="en-US" sz="1400" dirty="0">
+                <a:solidFill>
+                  <a:srgbClr val="9CDCFE"/>
+                </a:solidFill>
+                <a:latin typeface="Consolas" panose="020B0609020204030204" pitchFamily="49" charset="0"/>
+              </a:rPr>
+              <a:t>identifierPrefix</a:t>
+            </a:r>
+            <a:r>
+              <a:rPr lang="en-US" sz="1400" dirty="0">
+                <a:solidFill>
+                  <a:srgbClr val="CCCCCC"/>
+                </a:solidFill>
+                <a:latin typeface="Consolas" panose="020B0609020204030204" pitchFamily="49" charset="0"/>
+              </a:rPr>
+              <a:t>: </a:t>
+            </a:r>
+            <a:r>
+              <a:rPr lang="en-US" sz="1400" dirty="0">
+                <a:solidFill>
+                  <a:srgbClr val="CE9178"/>
+                </a:solidFill>
+                <a:latin typeface="Consolas" panose="020B0609020204030204" pitchFamily="49" charset="0"/>
+              </a:rPr>
+              <a:t>"text-"</a:t>
+            </a:r>
+            <a:r>
+              <a:rPr lang="en-US" sz="1400" dirty="0">
+                <a:solidFill>
+                  <a:srgbClr val="CCCCCC"/>
+                </a:solidFill>
+                <a:latin typeface="Consolas" panose="020B0609020204030204" pitchFamily="49" charset="0"/>
+              </a:rPr>
+              <a:t>,</a:t>
+            </a:r>
+          </a:p>
+          <a:p>
+            <a:r>
+              <a:rPr lang="en-US" sz="1400" dirty="0">
+                <a:solidFill>
+                  <a:srgbClr val="CCCCCC"/>
+                </a:solidFill>
+                <a:latin typeface="Consolas" panose="020B0609020204030204" pitchFamily="49" charset="0"/>
+              </a:rPr>
+              <a:t>});</a:t>
+            </a:r>
+            <a:endParaRPr lang="en-US" sz="1400" b="0" dirty="0">
+              <a:solidFill>
+                <a:srgbClr val="CCCCCC"/>
+              </a:solidFill>
+              <a:effectLst/>
+              <a:latin typeface="Consolas" panose="020B0609020204030204" pitchFamily="49" charset="0"/>
+            </a:endParaRPr>
+          </a:p>
+        </p:txBody>
+      </p:sp>
+    </p:spTree>
+    <p:extLst>
+      <p:ext uri="{BB962C8B-B14F-4D97-AF65-F5344CB8AC3E}">
+        <p14:creationId xmlns:p14="http://schemas.microsoft.com/office/powerpoint/2010/main" val="2830088896"/>
+      </p:ext>
+    </p:extLst>
+  </p:cSld>
+  <p:clrMapOvr>
+    <a:masterClrMapping/>
+  </p:clrMapOvr>
+</p:sld>
+</file>
+
+<file path=ppt/slides/slide8.xml><?xml version="1.0" encoding="utf-8"?>
+<p:sld xmlns:a="http://schemas.openxmlformats.org/drawingml/2006/main" xmlns:r="http://schemas.openxmlformats.org/officeDocument/2006/relationships" xmlns:p="http://schemas.openxmlformats.org/presentationml/2006/main">
+  <p:cSld>
+    <p:spTree>
+      <p:nvGrpSpPr>
+        <p:cNvPr id="1" name=""/>
+        <p:cNvGrpSpPr/>
+        <p:nvPr/>
+      </p:nvGrpSpPr>
+      <p:grpSpPr>
+        <a:xfrm>
+          <a:off x="0" y="0"/>
+          <a:ext cx="0" cy="0"/>
+          <a:chOff x="0" y="0"/>
+          <a:chExt cx="0" cy="0"/>
+        </a:xfrm>
+      </p:grpSpPr>
+      <p:sp>
+        <p:nvSpPr>
+          <p:cNvPr id="2" name="Title 1"/>
+          <p:cNvSpPr>
+            <a:spLocks noGrp="1"/>
+          </p:cNvSpPr>
+          <p:nvPr>
+            <p:ph type="title"/>
+          </p:nvPr>
+        </p:nvSpPr>
+        <p:spPr/>
+        <p:txBody>
+          <a:bodyPr>
+            <a:normAutofit/>
+          </a:bodyPr>
+          <a:lstStyle/>
+          <a:p>
+            <a:r>
+              <a:rPr lang="en-US">
+                <a:latin typeface="Tahoma" panose="020B0604030504040204" pitchFamily="34" charset="0"/>
+                <a:ea typeface="Tahoma" panose="020B0604030504040204" pitchFamily="34" charset="0"/>
+                <a:cs typeface="Tahoma" panose="020B0604030504040204" pitchFamily="34" charset="0"/>
+              </a:rPr>
+              <a:t>identifierPrefix là gì?</a:t>
+            </a:r>
+            <a:endParaRPr lang="en-US" dirty="0">
+              <a:latin typeface="Tahoma" panose="020B0604030504040204" pitchFamily="34" charset="0"/>
+              <a:ea typeface="Tahoma" panose="020B0604030504040204" pitchFamily="34" charset="0"/>
+              <a:cs typeface="Tahoma" panose="020B0604030504040204" pitchFamily="34" charset="0"/>
+            </a:endParaRPr>
+          </a:p>
+        </p:txBody>
+      </p:sp>
+      <p:sp>
+        <p:nvSpPr>
+          <p:cNvPr id="3" name="Content Placeholder 2"/>
+          <p:cNvSpPr>
+            <a:spLocks noGrp="1"/>
+          </p:cNvSpPr>
+          <p:nvPr>
+            <p:ph idx="1"/>
+          </p:nvPr>
+        </p:nvSpPr>
+        <p:spPr>
+          <a:xfrm>
+            <a:off x="2231136" y="2638044"/>
+            <a:ext cx="7729728" cy="3679629"/>
+          </a:xfrm>
+        </p:spPr>
+        <p:txBody>
+          <a:bodyPr>
+            <a:normAutofit/>
+          </a:bodyPr>
+          <a:lstStyle/>
+          <a:p>
+            <a:r>
+              <a:rPr lang="en-US" sz="1800" dirty="0" smtClean="0">
+                <a:latin typeface="Tahoma" panose="020B0604030504040204" pitchFamily="34" charset="0"/>
+                <a:ea typeface="Tahoma" panose="020B0604030504040204" pitchFamily="34" charset="0"/>
+                <a:cs typeface="Tahoma" panose="020B0604030504040204" pitchFamily="34" charset="0"/>
+              </a:rPr>
+              <a:t>Id được gen ra </a:t>
+            </a:r>
+            <a:r>
+              <a:rPr lang="en-US" dirty="0">
+                <a:latin typeface="Tahoma" panose="020B0604030504040204" pitchFamily="34" charset="0"/>
+                <a:ea typeface="Tahoma" panose="020B0604030504040204" pitchFamily="34" charset="0"/>
+                <a:cs typeface="Tahoma" panose="020B0604030504040204" pitchFamily="34" charset="0"/>
+              </a:rPr>
+              <a:t>dạng :text-r0:, :</a:t>
+            </a:r>
+            <a:r>
+              <a:rPr lang="en-US" dirty="0" smtClean="0">
+                <a:latin typeface="Tahoma" panose="020B0604030504040204" pitchFamily="34" charset="0"/>
+                <a:ea typeface="Tahoma" panose="020B0604030504040204" pitchFamily="34" charset="0"/>
+                <a:cs typeface="Tahoma" panose="020B0604030504040204" pitchFamily="34" charset="0"/>
+              </a:rPr>
+              <a:t>text-r1:</a:t>
+            </a:r>
+            <a:r>
+              <a:rPr lang="en-US" sz="1800" dirty="0" smtClean="0">
+                <a:latin typeface="Tahoma" panose="020B0604030504040204" pitchFamily="34" charset="0"/>
+                <a:ea typeface="Tahoma" panose="020B0604030504040204" pitchFamily="34" charset="0"/>
+                <a:cs typeface="Tahoma" panose="020B0604030504040204" pitchFamily="34" charset="0"/>
+              </a:rPr>
+              <a:t>, ...</a:t>
+            </a:r>
+            <a:endParaRPr lang="en-US" sz="1800" dirty="0" smtClean="0">
+              <a:latin typeface="Tahoma" panose="020B0604030504040204" pitchFamily="34" charset="0"/>
+              <a:ea typeface="Tahoma" panose="020B0604030504040204" pitchFamily="34" charset="0"/>
+              <a:cs typeface="Tahoma" panose="020B0604030504040204" pitchFamily="34" charset="0"/>
+            </a:endParaRPr>
+          </a:p>
+        </p:txBody>
+      </p:sp>
+      <p:pic>
+        <p:nvPicPr>
+          <p:cNvPr id="4" name="Picture 3"/>
+          <p:cNvPicPr>
+            <a:picLocks noChangeAspect="1"/>
+          </p:cNvPicPr>
+          <p:nvPr/>
+        </p:nvPicPr>
+        <p:blipFill>
+          <a:blip r:embed="rId2"/>
+          <a:stretch>
+            <a:fillRect/>
+          </a:stretch>
+        </p:blipFill>
+        <p:spPr>
+          <a:xfrm>
+            <a:off x="4291012" y="3601558"/>
+            <a:ext cx="3609975" cy="1752600"/>
+          </a:xfrm>
+          <a:prstGeom prst="rect">
+            <a:avLst/>
+          </a:prstGeom>
+        </p:spPr>
+      </p:pic>
+    </p:spTree>
+    <p:extLst>
+      <p:ext uri="{BB962C8B-B14F-4D97-AF65-F5344CB8AC3E}">
+        <p14:creationId xmlns:p14="http://schemas.microsoft.com/office/powerpoint/2010/main" val="1379398704"/>
       </p:ext>
     </p:extLst>
   </p:cSld>
